--- a/OnlineEducationPlatformPresentation.pptx
+++ b/OnlineEducationPlatformPresentation.pptx
@@ -16758,10 +16758,10 @@
       </p:sp>
       <p:pic>
         <p:nvPicPr>
-          <p:cNvPr id="8" name="Рисунок 7" descr="Изображение выглядит как текст, диаграмма, План, Технический чертеж&#10;&#10;Автоматически созданное описание">
-            <a:extLst>
-              <a:ext uri="{FF2B5EF4-FFF2-40B4-BE49-F238E27FC236}">
-                <a16:creationId xmlns:a16="http://schemas.microsoft.com/office/drawing/2014/main" id="{F63F7133-E77F-E178-1908-0BDC7BB14B31}"/>
+          <p:cNvPr id="4" name="Рисунок 3" descr="Изображение выглядит как текст, диаграмма, Параллельный, План&#10;&#10;Автоматически созданное описание">
+            <a:extLst>
+              <a:ext uri="{FF2B5EF4-FFF2-40B4-BE49-F238E27FC236}">
+                <a16:creationId xmlns:a16="http://schemas.microsoft.com/office/drawing/2014/main" id="{876021FD-B92F-CDCE-737C-70CAF7DB699C}"/>
               </a:ext>
             </a:extLst>
           </p:cNvPr>
@@ -16778,8 +16778,8 @@
         </p:blipFill>
         <p:spPr>
           <a:xfrm>
-            <a:off x="3168071" y="1021893"/>
-            <a:ext cx="5719965" cy="5667428"/>
+            <a:off x="3627213" y="1117600"/>
+            <a:ext cx="4937574" cy="5664984"/>
           </a:xfrm>
           <a:prstGeom prst="rect">
             <a:avLst/>
@@ -16867,10 +16867,10 @@
       </p:sp>
       <p:pic>
         <p:nvPicPr>
-          <p:cNvPr id="8" name="Рисунок 7" descr="Изображение выглядит как текст, диаграмма, Параллельный, Шрифт&#10;&#10;Автоматически созданное описание">
-            <a:extLst>
-              <a:ext uri="{FF2B5EF4-FFF2-40B4-BE49-F238E27FC236}">
-                <a16:creationId xmlns:a16="http://schemas.microsoft.com/office/drawing/2014/main" id="{22892CBA-47CE-8031-EC94-BB62CE250EEB}"/>
+          <p:cNvPr id="4" name="Рисунок 3" descr="Изображение выглядит как текст, диаграмма, Параллельный, План&#10;&#10;Автоматически созданное описание">
+            <a:extLst>
+              <a:ext uri="{FF2B5EF4-FFF2-40B4-BE49-F238E27FC236}">
+                <a16:creationId xmlns:a16="http://schemas.microsoft.com/office/drawing/2014/main" id="{26AD088B-ADA4-12B5-F5E8-7F39B5EF0377}"/>
               </a:ext>
             </a:extLst>
           </p:cNvPr>
@@ -16887,8 +16887,8 @@
         </p:blipFill>
         <p:spPr>
           <a:xfrm>
-            <a:off x="2970530" y="1023580"/>
-            <a:ext cx="5840961" cy="5737521"/>
+            <a:off x="3434051" y="1023580"/>
+            <a:ext cx="5323898" cy="5603682"/>
           </a:xfrm>
           <a:prstGeom prst="rect">
             <a:avLst/>
@@ -18102,15 +18102,6 @@
 </file>
 
 <file path=customXml/item1.xml><?xml version="1.0" encoding="utf-8"?>
-<?mso-contentType ?>
-<FormTemplates xmlns="http://schemas.microsoft.com/sharepoint/v3/contenttype/forms">
-  <Display>DocumentLibraryForm</Display>
-  <Edit>DocumentLibraryForm</Edit>
-  <New>DocumentLibraryForm</New>
-</FormTemplates>
-</file>
-
-<file path=customXml/item2.xml><?xml version="1.0" encoding="utf-8"?>
 <ct:contentTypeSchema xmlns:ct="http://schemas.microsoft.com/office/2006/metadata/contentType" xmlns:ma="http://schemas.microsoft.com/office/2006/metadata/properties/metaAttributes" ct:_="" ma:_="" ma:contentTypeName="Document" ma:contentTypeID="0x01010079F111ED35F8CC479449609E8A0923A6" ma:contentTypeVersion="20" ma:contentTypeDescription="Create a new document." ma:contentTypeScope="" ma:versionID="1267097ee5f5874adfcc408041ae252e">
   <xsd:schema xmlns:xsd="http://www.w3.org/2001/XMLSchema" xmlns:xs="http://www.w3.org/2001/XMLSchema" xmlns:p="http://schemas.microsoft.com/office/2006/metadata/properties" xmlns:ns1="http://schemas.microsoft.com/sharepoint/v3" xmlns:ns2="71af3243-3dd4-4a8d-8c0d-dd76da1f02a5" xmlns:ns3="16c05727-aa75-4e4a-9b5f-8a80a1165891" xmlns:ns4="230e9df3-be65-4c73-a93b-d1236ebd677e" targetNamespace="http://schemas.microsoft.com/office/2006/metadata/properties" ma:root="true" ma:fieldsID="395891a93df65b14727750f2c06c306c" ns1:_="" ns2:_="" ns3:_="" ns4:_="">
     <xsd:import namespace="http://schemas.microsoft.com/sharepoint/v3"/>
@@ -18386,6 +18377,15 @@
 </ct:contentTypeSchema>
 </file>
 
+<file path=customXml/item2.xml><?xml version="1.0" encoding="utf-8"?>
+<?mso-contentType ?>
+<FormTemplates xmlns="http://schemas.microsoft.com/sharepoint/v3/contenttype/forms">
+  <Display>DocumentLibraryForm</Display>
+  <Edit>DocumentLibraryForm</Edit>
+  <New>DocumentLibraryForm</New>
+</FormTemplates>
+</file>
+
 <file path=customXml/item3.xml><?xml version="1.0" encoding="utf-8"?>
 <p:properties xmlns:p="http://schemas.microsoft.com/office/2006/metadata/properties" xmlns:xsi="http://www.w3.org/2001/XMLSchema-instance" xmlns:pc="http://schemas.microsoft.com/office/infopath/2007/PartnerControls">
   <documentManagement>
@@ -18406,14 +18406,6 @@
 </file>
 
 <file path=customXml/itemProps1.xml><?xml version="1.0" encoding="utf-8"?>
-<ds:datastoreItem xmlns:ds="http://schemas.openxmlformats.org/officeDocument/2006/customXml" ds:itemID="{42BC90D6-94CF-42F7-AAC4-9CF6824C54D5}">
-  <ds:schemaRefs>
-    <ds:schemaRef ds:uri="http://schemas.microsoft.com/sharepoint/v3/contenttype/forms"/>
-  </ds:schemaRefs>
-</ds:datastoreItem>
-</file>
-
-<file path=customXml/itemProps2.xml><?xml version="1.0" encoding="utf-8"?>
 <ds:datastoreItem xmlns:ds="http://schemas.openxmlformats.org/officeDocument/2006/customXml" ds:itemID="{64CF2EF3-001F-4BE9-81B3-86ECBBF9425F}">
   <ds:schemaRefs>
     <ds:schemaRef ds:uri="http://schemas.microsoft.com/office/2006/metadata/contentType"/>
@@ -18430,6 +18422,14 @@
     <ds:schemaRef ds:uri="http://purl.org/dc/elements/1.1/"/>
     <ds:schemaRef ds:uri="http://purl.org/dc/terms/"/>
     <ds:schemaRef ds:uri="http://schemas.microsoft.com/internal/obd"/>
+  </ds:schemaRefs>
+</ds:datastoreItem>
+</file>
+
+<file path=customXml/itemProps2.xml><?xml version="1.0" encoding="utf-8"?>
+<ds:datastoreItem xmlns:ds="http://schemas.openxmlformats.org/officeDocument/2006/customXml" ds:itemID="{42BC90D6-94CF-42F7-AAC4-9CF6824C54D5}">
+  <ds:schemaRefs>
+    <ds:schemaRef ds:uri="http://schemas.microsoft.com/sharepoint/v3/contenttype/forms"/>
   </ds:schemaRefs>
 </ds:datastoreItem>
 </file>
